--- a/generated/presentation.pptx
+++ b/generated/presentation.pptx
@@ -3757,7 +3757,7 @@
             </a:r>
             <a:r>
               <a:rPr/>
-              <a:t> (Markdown) files to a presentation</a:t>
+              <a:t> (Markdown) files to a presentation.</a:t>
             </a:r>
           </a:p>
           <a:p>
@@ -3766,7 +3766,7 @@
             </a:pPr>
             <a:r>
               <a:rPr/>
-              <a:t>For that we are using </a:t>
+              <a:t>By using </a:t>
             </a:r>
             <a:r>
               <a:rPr sz="1800">
@@ -3774,6 +3774,10 @@
               </a:rPr>
               <a:t>pandoc</a:t>
             </a:r>
+            <a:r>
+              <a:rPr/>
+              <a:t>.</a:t>
+            </a:r>
           </a:p>
           <a:p>
             <a:pPr lvl="0" marL="0" indent="0">
@@ -3781,7 +3785,7 @@
             </a:pPr>
             <a:r>
               <a:rPr/>
-              <a:t>Pandoc is very powerful and can convert almost any format to another format.</a:t>
+              <a:t>Pandoc is a very powerful tool and can convert almost any text format to another text format.</a:t>
             </a:r>
           </a:p>
           <a:p>

--- a/generated/presentation.pptx
+++ b/generated/presentation.pptx
@@ -17,6 +17,10 @@
     <p:sldId id="265" r:id="rId11"/>
     <p:sldId id="266" r:id="rId12"/>
     <p:sldId id="267" r:id="rId13"/>
+    <p:sldId id="268" r:id="rId14"/>
+    <p:sldId id="269" r:id="rId15"/>
+    <p:sldId id="270" r:id="rId16"/>
+    <p:sldId id="271" r:id="rId17"/>
   </p:sldIdLst>
   <p:sldSz cx="9144000" cy="6858000" type="screen4x3"/>
   <p:notesSz cx="6858000" cy="9144000"/>
@@ -3672,6 +3676,346 @@
             <a:r>
               <a:rPr/>
               <a:t>If you want to transform the Markdown be aware of it when writing. Especial the code snippets will not have a word wrap in the most cases. When generating a presentation (e.g. beamer). Be aware of the size of each slide…</a:t>
+            </a:r>
+          </a:p>
+        </p:txBody>
+      </p:sp>
+    </p:spTree>
+  </p:cSld>
+</p:sld>
+</file>
+
+<file path=ppt/slides/slide13.xml><?xml version="1.0" encoding="utf-8"?>
+<p:sld xmlns:a="http://schemas.openxmlformats.org/drawingml/2006/main" xmlns:r="http://schemas.openxmlformats.org/officeDocument/2006/relationships" xmlns:p="http://schemas.openxmlformats.org/presentationml/2006/main">
+  <p:cSld>
+    <p:spTree>
+      <p:nvGrpSpPr>
+        <p:cNvPr id="1" name=""/>
+        <p:cNvGrpSpPr/>
+        <p:nvPr/>
+      </p:nvGrpSpPr>
+      <p:grpSpPr>
+        <a:xfrm>
+          <a:off x="0" y="0"/>
+          <a:ext cx="0" cy="0"/>
+          <a:chOff x="0" y="0"/>
+          <a:chExt cx="0" cy="0"/>
+        </a:xfrm>
+      </p:grpSpPr>
+      <p:sp>
+        <p:nvSpPr>
+          <p:cNvPr id="2" name="Title 1"/>
+          <p:cNvSpPr>
+            <a:spLocks noGrp="1"/>
+          </p:cNvSpPr>
+          <p:nvPr>
+            <p:ph type="title"/>
+          </p:nvPr>
+        </p:nvSpPr>
+        <p:spPr/>
+        <p:txBody>
+          <a:bodyPr/>
+          <a:lstStyle/>
+          <a:p>
+            <a:pPr lvl="0" marL="0" indent="0">
+              <a:buNone/>
+            </a:pPr>
+            <a:r>
+              <a:rPr/>
+              <a:t>Results</a:t>
+            </a:r>
+            <a:r>
+              <a:rPr/>
+              <a:t> </a:t>
+            </a:r>
+            <a:r>
+              <a:rPr/>
+              <a:t>Document</a:t>
+            </a:r>
+          </a:p>
+        </p:txBody>
+      </p:sp>
+      <p:sp>
+        <p:nvSpPr>
+          <p:cNvPr id="3" name="Content Placeholder 2"/>
+          <p:cNvSpPr>
+            <a:spLocks noGrp="1"/>
+          </p:cNvSpPr>
+          <p:nvPr>
+            <p:ph idx="1"/>
+          </p:nvPr>
+        </p:nvSpPr>
+        <p:spPr/>
+        <p:txBody>
+          <a:bodyPr/>
+          <a:lstStyle/>
+          <a:p>
+            <a:pPr lvl="0" marL="0" indent="0">
+              <a:buNone/>
+            </a:pPr>
+            <a:r>
+              <a:rPr/>
+              <a:t>Preview of the generated document</a:t>
+            </a:r>
+          </a:p>
+        </p:txBody>
+      </p:sp>
+    </p:spTree>
+  </p:cSld>
+</p:sld>
+</file>
+
+<file path=ppt/slides/slide14.xml><?xml version="1.0" encoding="utf-8"?>
+<p:sld xmlns:a="http://schemas.openxmlformats.org/drawingml/2006/main" xmlns:r="http://schemas.openxmlformats.org/officeDocument/2006/relationships" xmlns:p="http://schemas.openxmlformats.org/presentationml/2006/main">
+  <p:cSld>
+    <p:spTree>
+      <p:nvGrpSpPr>
+        <p:cNvPr id="1" name=""/>
+        <p:cNvGrpSpPr/>
+        <p:nvPr/>
+      </p:nvGrpSpPr>
+      <p:grpSpPr>
+        <a:xfrm>
+          <a:off x="0" y="0"/>
+          <a:ext cx="0" cy="0"/>
+          <a:chOff x="0" y="0"/>
+          <a:chExt cx="0" cy="0"/>
+        </a:xfrm>
+      </p:grpSpPr>
+      <p:pic>
+        <p:nvPicPr>
+          <p:cNvPr descr="./img/generated-document.jpg" id="0" name="Picture 1"/>
+          <p:cNvPicPr>
+            <a:picLocks noGrp="1" noChangeAspect="1"/>
+          </p:cNvPicPr>
+          <p:nvPr/>
+        </p:nvPicPr>
+        <p:blipFill>
+          <a:blip r:embed="rId2"/>
+          <a:stretch>
+            <a:fillRect/>
+          </a:stretch>
+        </p:blipFill>
+        <p:spPr bwMode="auto">
+          <a:xfrm>
+            <a:off x="457200" y="1778000"/>
+            <a:ext cx="8229600" cy="3670300"/>
+          </a:xfrm>
+          <a:prstGeom prst="rect">
+            <a:avLst/>
+          </a:prstGeom>
+          <a:noFill/>
+          <a:ln w="9525">
+            <a:noFill/>
+            <a:headEnd/>
+            <a:tailEnd/>
+          </a:ln>
+        </p:spPr>
+      </p:pic>
+      <p:sp>
+        <p:nvSpPr>
+          <p:cNvPr id="1" name="TextBox 3"/>
+          <p:cNvSpPr txBox="1"/>
+          <p:nvPr/>
+        </p:nvSpPr>
+        <p:spPr>
+          <a:xfrm>
+            <a:off x="457200" y="5613400"/>
+            <a:ext cx="8229600" cy="508000"/>
+          </a:xfrm>
+          <a:prstGeom prst="rect">
+            <a:avLst/>
+          </a:prstGeom>
+          <a:noFill/>
+        </p:spPr>
+        <p:txBody>
+          <a:bodyPr/>
+          <a:lstStyle/>
+          <a:p>
+            <a:pPr lvl="0" marL="0" indent="0" algn="ctr">
+              <a:buNone/>
+            </a:pPr>
+            <a:r>
+              <a:rPr/>
+              <a:t>generated</a:t>
+            </a:r>
+            <a:r>
+              <a:rPr/>
+              <a:t> </a:t>
+            </a:r>
+            <a:r>
+              <a:rPr/>
+              <a:t>document</a:t>
+            </a:r>
+          </a:p>
+        </p:txBody>
+      </p:sp>
+    </p:spTree>
+  </p:cSld>
+</p:sld>
+</file>
+
+<file path=ppt/slides/slide15.xml><?xml version="1.0" encoding="utf-8"?>
+<p:sld xmlns:a="http://schemas.openxmlformats.org/drawingml/2006/main" xmlns:r="http://schemas.openxmlformats.org/officeDocument/2006/relationships" xmlns:p="http://schemas.openxmlformats.org/presentationml/2006/main">
+  <p:cSld>
+    <p:spTree>
+      <p:nvGrpSpPr>
+        <p:cNvPr id="1" name=""/>
+        <p:cNvGrpSpPr/>
+        <p:nvPr/>
+      </p:nvGrpSpPr>
+      <p:grpSpPr>
+        <a:xfrm>
+          <a:off x="0" y="0"/>
+          <a:ext cx="0" cy="0"/>
+          <a:chOff x="0" y="0"/>
+          <a:chExt cx="0" cy="0"/>
+        </a:xfrm>
+      </p:grpSpPr>
+      <p:sp>
+        <p:nvSpPr>
+          <p:cNvPr id="2" name="Title 1"/>
+          <p:cNvSpPr>
+            <a:spLocks noGrp="1"/>
+          </p:cNvSpPr>
+          <p:nvPr>
+            <p:ph type="title"/>
+          </p:nvPr>
+        </p:nvSpPr>
+        <p:spPr/>
+        <p:txBody>
+          <a:bodyPr/>
+          <a:lstStyle/>
+          <a:p>
+            <a:pPr lvl="0" marL="0" indent="0">
+              <a:buNone/>
+            </a:pPr>
+            <a:r>
+              <a:rPr/>
+              <a:t>Results</a:t>
+            </a:r>
+            <a:r>
+              <a:rPr/>
+              <a:t> </a:t>
+            </a:r>
+            <a:r>
+              <a:rPr/>
+              <a:t>Presentation</a:t>
+            </a:r>
+          </a:p>
+        </p:txBody>
+      </p:sp>
+      <p:sp>
+        <p:nvSpPr>
+          <p:cNvPr id="3" name="Content Placeholder 2"/>
+          <p:cNvSpPr>
+            <a:spLocks noGrp="1"/>
+          </p:cNvSpPr>
+          <p:nvPr>
+            <p:ph idx="1"/>
+          </p:nvPr>
+        </p:nvSpPr>
+        <p:spPr/>
+        <p:txBody>
+          <a:bodyPr/>
+          <a:lstStyle/>
+          <a:p>
+            <a:pPr lvl="0" marL="0" indent="0">
+              <a:buNone/>
+            </a:pPr>
+            <a:r>
+              <a:rPr/>
+              <a:t>Preview of the generated presentation</a:t>
+            </a:r>
+          </a:p>
+        </p:txBody>
+      </p:sp>
+    </p:spTree>
+  </p:cSld>
+</p:sld>
+</file>
+
+<file path=ppt/slides/slide16.xml><?xml version="1.0" encoding="utf-8"?>
+<p:sld xmlns:a="http://schemas.openxmlformats.org/drawingml/2006/main" xmlns:r="http://schemas.openxmlformats.org/officeDocument/2006/relationships" xmlns:p="http://schemas.openxmlformats.org/presentationml/2006/main">
+  <p:cSld>
+    <p:spTree>
+      <p:nvGrpSpPr>
+        <p:cNvPr id="1" name=""/>
+        <p:cNvGrpSpPr/>
+        <p:nvPr/>
+      </p:nvGrpSpPr>
+      <p:grpSpPr>
+        <a:xfrm>
+          <a:off x="0" y="0"/>
+          <a:ext cx="0" cy="0"/>
+          <a:chOff x="0" y="0"/>
+          <a:chExt cx="0" cy="0"/>
+        </a:xfrm>
+      </p:grpSpPr>
+      <p:pic>
+        <p:nvPicPr>
+          <p:cNvPr descr="./img/generated-presentation.jpg" id="0" name="Picture 1"/>
+          <p:cNvPicPr>
+            <a:picLocks noGrp="1" noChangeAspect="1"/>
+          </p:cNvPicPr>
+          <p:nvPr/>
+        </p:nvPicPr>
+        <p:blipFill>
+          <a:blip r:embed="rId2"/>
+          <a:stretch>
+            <a:fillRect/>
+          </a:stretch>
+        </p:blipFill>
+        <p:spPr bwMode="auto">
+          <a:xfrm>
+            <a:off x="1041400" y="1600200"/>
+            <a:ext cx="7061200" cy="4013200"/>
+          </a:xfrm>
+          <a:prstGeom prst="rect">
+            <a:avLst/>
+          </a:prstGeom>
+          <a:noFill/>
+          <a:ln w="9525">
+            <a:noFill/>
+            <a:headEnd/>
+            <a:tailEnd/>
+          </a:ln>
+        </p:spPr>
+      </p:pic>
+      <p:sp>
+        <p:nvSpPr>
+          <p:cNvPr id="1" name="TextBox 3"/>
+          <p:cNvSpPr txBox="1"/>
+          <p:nvPr/>
+        </p:nvSpPr>
+        <p:spPr>
+          <a:xfrm>
+            <a:off x="457200" y="5613400"/>
+            <a:ext cx="8229600" cy="508000"/>
+          </a:xfrm>
+          <a:prstGeom prst="rect">
+            <a:avLst/>
+          </a:prstGeom>
+          <a:noFill/>
+        </p:spPr>
+        <p:txBody>
+          <a:bodyPr/>
+          <a:lstStyle/>
+          <a:p>
+            <a:pPr lvl="0" marL="0" indent="0" algn="ctr">
+              <a:buNone/>
+            </a:pPr>
+            <a:r>
+              <a:rPr/>
+              <a:t>generated</a:t>
+            </a:r>
+            <a:r>
+              <a:rPr/>
+              <a:t> </a:t>
+            </a:r>
+            <a:r>
+              <a:rPr/>
+              <a:t>presentation</a:t>
             </a:r>
           </a:p>
         </p:txBody>

--- a/generated/presentation.pptx
+++ b/generated/presentation.pptx
@@ -4129,7 +4129,7 @@
             </a:pPr>
             <a:r>
               <a:rPr/>
-              <a:t>Pandoc is a very powerful tool and can convert almost any text format to another text format.</a:t>
+              <a:t>Pandoc is a very powerful tool and can convert almost any document format to another document format.</a:t>
             </a:r>
           </a:p>
           <a:p>
@@ -4145,6 +4145,16 @@
                 <a:latin typeface="Courier"/>
               </a:rPr>
               <a:t>pandc --help</a:t>
+            </a:r>
+            <a:r>
+              <a:rPr/>
+              <a:t> or checkout </a:t>
+            </a:r>
+            <a:r>
+              <a:rPr>
+                <a:hlinkClick r:id="rId2"/>
+              </a:rPr>
+              <a:t>Pandoc User’s Guide</a:t>
             </a:r>
           </a:p>
         </p:txBody>
@@ -4552,7 +4562,7 @@
                 </a:solidFill>
                 <a:latin typeface="Courier"/>
               </a:rPr>
-              <a:t>pandoc howto.md -t beamer -o presentation.pdf</a:t>
+              <a:t>pandoc README.md -t beamer -o presentation.pdf</a:t>
             </a:r>
           </a:p>
           <a:p>
